--- a/ppts/Capstone Timeline.pptx
+++ b/ppts/Capstone Timeline.pptx
@@ -19,7 +19,8 @@
     <p:sldId id="267" r:id="rId13"/>
     <p:sldId id="268" r:id="rId14"/>
     <p:sldId id="269" r:id="rId15"/>
-    <p:sldId id="270" r:id="rId16"/>
+    <p:sldId id="272" r:id="rId16"/>
+    <p:sldId id="270" r:id="rId17"/>
   </p:sldIdLst>
   <p:sldSz cx="12192000" cy="6858000"/>
   <p:notesSz cx="6858000" cy="9144000"/>
@@ -370,7 +371,7 @@
           <a:p>
             <a:fld id="{9184DA70-C731-4C70-880D-CCD4705E623C}" type="datetime1">
               <a:rPr lang="en-US" smtClean="0"/>
-              <a:t>3/3/2021</a:t>
+              <a:t>3/6/2021</a:t>
             </a:fld>
             <a:endParaRPr lang="en-US" dirty="0"/>
           </a:p>
@@ -558,7 +559,7 @@
           <a:p>
             <a:fld id="{B612A279-0833-481D-8C56-F67FD0AC6C50}" type="datetime1">
               <a:rPr lang="en-US" smtClean="0"/>
-              <a:t>3/3/2021</a:t>
+              <a:t>3/6/2021</a:t>
             </a:fld>
             <a:endParaRPr lang="en-US" dirty="0"/>
           </a:p>
@@ -800,7 +801,7 @@
           <a:p>
             <a:fld id="{6587DA83-5663-4C9C-B9AA-0B40A3DAFF81}" type="datetime1">
               <a:rPr lang="en-US" smtClean="0"/>
-              <a:t>3/3/2021</a:t>
+              <a:t>3/6/2021</a:t>
             </a:fld>
             <a:endParaRPr lang="en-US" dirty="0"/>
           </a:p>
@@ -988,7 +989,7 @@
           <a:p>
             <a:fld id="{4BE1D723-8F53-4F53-90B0-1982A396982E}" type="datetime1">
               <a:rPr lang="en-US" smtClean="0"/>
-              <a:t>3/3/2021</a:t>
+              <a:t>3/6/2021</a:t>
             </a:fld>
             <a:endParaRPr lang="en-US" dirty="0"/>
           </a:p>
@@ -1361,7 +1362,7 @@
           <a:p>
             <a:fld id="{97669AF7-7BEB-44E4-9852-375E34362B5B}" type="datetime1">
               <a:rPr lang="en-US" smtClean="0"/>
-              <a:t>3/3/2021</a:t>
+              <a:t>3/6/2021</a:t>
             </a:fld>
             <a:endParaRPr lang="en-US" dirty="0"/>
           </a:p>
@@ -1616,7 +1617,7 @@
           <a:p>
             <a:fld id="{BAAAC38D-0552-4C82-B593-E6124DFADBE2}" type="datetime1">
               <a:rPr lang="en-US" smtClean="0"/>
-              <a:t>3/3/2021</a:t>
+              <a:t>3/6/2021</a:t>
             </a:fld>
             <a:endParaRPr lang="en-US" dirty="0"/>
           </a:p>
@@ -2013,7 +2014,7 @@
           <a:p>
             <a:fld id="{D9DF0F1C-5577-4ACB-BB62-DF8F3C494C7E}" type="datetime1">
               <a:rPr lang="en-US" smtClean="0"/>
-              <a:t>3/3/2021</a:t>
+              <a:t>3/6/2021</a:t>
             </a:fld>
             <a:endParaRPr lang="en-US" dirty="0"/>
           </a:p>
@@ -2149,7 +2150,7 @@
           <a:p>
             <a:fld id="{1775B394-D9F9-4F0C-B15D-605F45CB9E9F}" type="datetime1">
               <a:rPr lang="en-US" smtClean="0"/>
-              <a:t>3/3/2021</a:t>
+              <a:t>3/6/2021</a:t>
             </a:fld>
             <a:endParaRPr lang="en-US" dirty="0"/>
           </a:p>
@@ -2306,7 +2307,7 @@
           <a:p>
             <a:fld id="{39667345-2558-425A-8533-9BFDBCE15005}" type="datetime1">
               <a:rPr lang="en-US" smtClean="0"/>
-              <a:t>3/3/2021</a:t>
+              <a:t>3/6/2021</a:t>
             </a:fld>
             <a:endParaRPr lang="en-US" dirty="0"/>
           </a:p>
@@ -2635,7 +2636,7 @@
           <a:p>
             <a:fld id="{92BEA474-078D-4E9B-9B14-09A87B19DC46}" type="datetime1">
               <a:rPr lang="en-US" smtClean="0"/>
-              <a:t>3/3/2021</a:t>
+              <a:t>3/6/2021</a:t>
             </a:fld>
             <a:endParaRPr lang="en-US" dirty="0"/>
           </a:p>
@@ -2985,7 +2986,7 @@
           <a:p>
             <a:fld id="{4907D986-8816-4272-A432-0437A28A9828}" type="datetime1">
               <a:rPr lang="en-US" smtClean="0"/>
-              <a:t>3/3/2021</a:t>
+              <a:t>3/6/2021</a:t>
             </a:fld>
             <a:endParaRPr lang="en-US" dirty="0"/>
           </a:p>
@@ -3246,7 +3247,7 @@
           <a:p>
             <a:fld id="{62D6E202-B606-4609-B914-27C9371A1F6D}" type="datetime1">
               <a:rPr lang="en-US" smtClean="0"/>
-              <a:t>3/3/2021</a:t>
+              <a:t>3/6/2021</a:t>
             </a:fld>
             <a:endParaRPr lang="en-US" dirty="0"/>
           </a:p>
@@ -4065,7 +4066,7 @@
             <a:pPr algn="ctr"/>
             <a:r>
               <a:rPr lang="en-US" dirty="0" smtClean="0"/>
-              <a:t>Week 7</a:t>
+              <a:t>Week 7 (8 April)</a:t>
             </a:r>
             <a:endParaRPr lang="en-IN" dirty="0"/>
           </a:p>
@@ -4088,29 +4089,13 @@
           <a:p>
             <a:r>
               <a:rPr lang="en-US" sz="2500" b="1" dirty="0" smtClean="0"/>
-              <a:t>Training and Testing </a:t>
-            </a:r>
-            <a:r>
-              <a:rPr lang="en-US" sz="2500" b="1" dirty="0" smtClean="0"/>
-              <a:t>the Dataset</a:t>
+              <a:t>Training and Testing the Dataset</a:t>
             </a:r>
           </a:p>
           <a:p>
             <a:r>
               <a:rPr lang="en-US" dirty="0" smtClean="0"/>
-              <a:t>This week will be focused on </a:t>
-            </a:r>
-            <a:r>
-              <a:rPr lang="en-US" dirty="0" smtClean="0"/>
-              <a:t>training and testing </a:t>
-            </a:r>
-            <a:r>
-              <a:rPr lang="en-US" dirty="0" smtClean="0"/>
-              <a:t>of the </a:t>
-            </a:r>
-            <a:r>
-              <a:rPr lang="en-US" dirty="0" smtClean="0"/>
-              <a:t>dataset using </a:t>
+              <a:t>This week will be focused on training and testing of the dataset using </a:t>
             </a:r>
             <a:r>
               <a:rPr lang="en-US" smtClean="0"/>
@@ -4179,7 +4164,7 @@
             <a:pPr algn="ctr"/>
             <a:r>
               <a:rPr lang="en-US" dirty="0" smtClean="0"/>
-              <a:t>Week 8</a:t>
+              <a:t>Week 8 (15 April)</a:t>
             </a:r>
             <a:endParaRPr lang="en-IN" dirty="0"/>
           </a:p>
@@ -4294,7 +4279,7 @@
             <a:pPr algn="ctr"/>
             <a:r>
               <a:rPr lang="en-US" dirty="0" smtClean="0"/>
-              <a:t>Week 9</a:t>
+              <a:t>Week 9 (22 April)</a:t>
             </a:r>
             <a:endParaRPr lang="en-IN" dirty="0"/>
           </a:p>
@@ -4386,7 +4371,7 @@
             <a:pPr algn="ctr"/>
             <a:r>
               <a:rPr lang="en-US" dirty="0" smtClean="0"/>
-              <a:t>Week 10</a:t>
+              <a:t>Week 10 (29 April)</a:t>
             </a:r>
             <a:endParaRPr lang="en-IN" dirty="0"/>
           </a:p>
@@ -4476,7 +4461,7 @@
             <a:pPr algn="ctr"/>
             <a:r>
               <a:rPr lang="en-US" dirty="0" smtClean="0"/>
-              <a:t>Week 11</a:t>
+              <a:t>Week 11 (6 May)</a:t>
             </a:r>
             <a:endParaRPr lang="en-IN" dirty="0"/>
           </a:p>
@@ -4532,6 +4517,88 @@
 </file>
 
 <file path=ppt/slides/slide15.xml><?xml version="1.0" encoding="utf-8"?>
+<p:sld xmlns:a="http://schemas.openxmlformats.org/drawingml/2006/main" xmlns:r="http://schemas.openxmlformats.org/officeDocument/2006/relationships" xmlns:p="http://schemas.openxmlformats.org/presentationml/2006/main">
+  <p:cSld>
+    <p:spTree>
+      <p:nvGrpSpPr>
+        <p:cNvPr id="1" name=""/>
+        <p:cNvGrpSpPr/>
+        <p:nvPr/>
+      </p:nvGrpSpPr>
+      <p:grpSpPr>
+        <a:xfrm>
+          <a:off x="0" y="0"/>
+          <a:ext cx="0" cy="0"/>
+          <a:chOff x="0" y="0"/>
+          <a:chExt cx="0" cy="0"/>
+        </a:xfrm>
+      </p:grpSpPr>
+      <p:sp>
+        <p:nvSpPr>
+          <p:cNvPr id="2" name="Title 1"/>
+          <p:cNvSpPr>
+            <a:spLocks noGrp="1"/>
+          </p:cNvSpPr>
+          <p:nvPr>
+            <p:ph type="title"/>
+          </p:nvPr>
+        </p:nvSpPr>
+        <p:spPr/>
+        <p:txBody>
+          <a:bodyPr/>
+          <a:lstStyle/>
+          <a:p>
+            <a:r>
+              <a:rPr lang="en-US" dirty="0" smtClean="0"/>
+              <a:t>Timeline Overview</a:t>
+            </a:r>
+            <a:endParaRPr lang="en-IN" dirty="0"/>
+          </a:p>
+        </p:txBody>
+      </p:sp>
+      <p:pic>
+        <p:nvPicPr>
+          <p:cNvPr id="4" name="Content Placeholder 3"/>
+          <p:cNvPicPr>
+            <a:picLocks noGrp="1" noChangeAspect="1"/>
+          </p:cNvPicPr>
+          <p:nvPr>
+            <p:ph idx="1"/>
+          </p:nvPr>
+        </p:nvPicPr>
+        <p:blipFill>
+          <a:blip r:embed="rId2">
+            <a:extLst>
+              <a:ext uri="{28A0092B-C50C-407E-A947-70E740481C1C}">
+                <a14:useLocalDpi xmlns:a14="http://schemas.microsoft.com/office/drawing/2010/main" val="0"/>
+              </a:ext>
+            </a:extLst>
+          </a:blip>
+          <a:stretch>
+            <a:fillRect/>
+          </a:stretch>
+        </p:blipFill>
+        <p:spPr>
+          <a:xfrm>
+            <a:off x="1190660" y="1942736"/>
+            <a:ext cx="9965020" cy="4402521"/>
+          </a:xfrm>
+        </p:spPr>
+      </p:pic>
+    </p:spTree>
+    <p:extLst>
+      <p:ext uri="{BB962C8B-B14F-4D97-AF65-F5344CB8AC3E}">
+        <p14:creationId xmlns:p14="http://schemas.microsoft.com/office/powerpoint/2010/main" val="2938272523"/>
+      </p:ext>
+    </p:extLst>
+  </p:cSld>
+  <p:clrMapOvr>
+    <a:masterClrMapping/>
+  </p:clrMapOvr>
+</p:sld>
+</file>
+
+<file path=ppt/slides/slide16.xml><?xml version="1.0" encoding="utf-8"?>
 <p:sld xmlns:a="http://schemas.openxmlformats.org/drawingml/2006/main" xmlns:r="http://schemas.openxmlformats.org/officeDocument/2006/relationships" xmlns:p="http://schemas.openxmlformats.org/presentationml/2006/main">
   <p:cSld>
     <p:spTree>
@@ -5025,7 +5092,7 @@
             <a:pPr algn="ctr"/>
             <a:r>
               <a:rPr lang="en-US" dirty="0" smtClean="0"/>
-              <a:t>Week 1</a:t>
+              <a:t>Week 1 (25 February)</a:t>
             </a:r>
             <a:endParaRPr lang="en-IN" dirty="0"/>
           </a:p>
@@ -5115,7 +5182,7 @@
             <a:pPr algn="ctr"/>
             <a:r>
               <a:rPr lang="en-US" dirty="0" smtClean="0"/>
-              <a:t>Week 2</a:t>
+              <a:t>Week 2 (4 March)</a:t>
             </a:r>
             <a:endParaRPr lang="en-IN" dirty="0"/>
           </a:p>
@@ -5205,7 +5272,7 @@
             <a:pPr algn="ctr"/>
             <a:r>
               <a:rPr lang="en-US" dirty="0" smtClean="0"/>
-              <a:t>Week 3</a:t>
+              <a:t>Week 3 (11 March)</a:t>
             </a:r>
             <a:endParaRPr lang="en-IN" dirty="0"/>
           </a:p>
@@ -5295,7 +5362,7 @@
             <a:pPr algn="ctr"/>
             <a:r>
               <a:rPr lang="en-US" dirty="0" smtClean="0"/>
-              <a:t>Week 4</a:t>
+              <a:t>Week 4 (18 March)</a:t>
             </a:r>
             <a:endParaRPr lang="en-IN" dirty="0"/>
           </a:p>
@@ -5387,7 +5454,7 @@
             <a:pPr algn="ctr"/>
             <a:r>
               <a:rPr lang="en-US" dirty="0" smtClean="0"/>
-              <a:t>Week 5</a:t>
+              <a:t>Week 5 (25 March)</a:t>
             </a:r>
             <a:endParaRPr lang="en-IN" dirty="0"/>
           </a:p>
@@ -5479,7 +5546,7 @@
             <a:pPr algn="ctr"/>
             <a:r>
               <a:rPr lang="en-US" dirty="0" smtClean="0"/>
-              <a:t>Week 6</a:t>
+              <a:t>Week 6 (1 April)</a:t>
             </a:r>
             <a:endParaRPr lang="en-IN" dirty="0"/>
           </a:p>

--- a/ppts/Capstone Timeline.pptx
+++ b/ppts/Capstone Timeline.pptx
@@ -8,18 +8,18 @@
     <p:sldId id="257" r:id="rId2"/>
     <p:sldId id="271" r:id="rId3"/>
     <p:sldId id="258" r:id="rId4"/>
-    <p:sldId id="259" r:id="rId5"/>
-    <p:sldId id="260" r:id="rId6"/>
-    <p:sldId id="261" r:id="rId7"/>
-    <p:sldId id="262" r:id="rId8"/>
-    <p:sldId id="263" r:id="rId9"/>
-    <p:sldId id="264" r:id="rId10"/>
-    <p:sldId id="265" r:id="rId11"/>
-    <p:sldId id="266" r:id="rId12"/>
-    <p:sldId id="267" r:id="rId13"/>
-    <p:sldId id="268" r:id="rId14"/>
-    <p:sldId id="269" r:id="rId15"/>
-    <p:sldId id="272" r:id="rId16"/>
+    <p:sldId id="272" r:id="rId5"/>
+    <p:sldId id="259" r:id="rId6"/>
+    <p:sldId id="260" r:id="rId7"/>
+    <p:sldId id="261" r:id="rId8"/>
+    <p:sldId id="262" r:id="rId9"/>
+    <p:sldId id="263" r:id="rId10"/>
+    <p:sldId id="264" r:id="rId11"/>
+    <p:sldId id="265" r:id="rId12"/>
+    <p:sldId id="266" r:id="rId13"/>
+    <p:sldId id="267" r:id="rId14"/>
+    <p:sldId id="268" r:id="rId15"/>
+    <p:sldId id="269" r:id="rId16"/>
     <p:sldId id="270" r:id="rId17"/>
   </p:sldIdLst>
   <p:sldSz cx="12192000" cy="6858000"/>
@@ -4066,7 +4066,7 @@
             <a:pPr algn="ctr"/>
             <a:r>
               <a:rPr lang="en-US" dirty="0" smtClean="0"/>
-              <a:t>Week 7 (8 April)</a:t>
+              <a:t>Week 6 (1 April)</a:t>
             </a:r>
             <a:endParaRPr lang="en-IN" dirty="0"/>
           </a:p>
@@ -4089,21 +4089,13 @@
           <a:p>
             <a:r>
               <a:rPr lang="en-US" sz="2500" b="1" dirty="0" smtClean="0"/>
-              <a:t>Training and Testing the Dataset</a:t>
+              <a:t>Continuing Week 5</a:t>
             </a:r>
           </a:p>
           <a:p>
             <a:r>
               <a:rPr lang="en-US" dirty="0" smtClean="0"/>
-              <a:t>This week will be focused on training and testing of the dataset using </a:t>
-            </a:r>
-            <a:r>
-              <a:rPr lang="en-US" smtClean="0"/>
-              <a:t>ML Algorithm. </a:t>
-            </a:r>
-            <a:r>
-              <a:rPr lang="en-US" dirty="0" smtClean="0"/>
-              <a:t>There are lot of libraries which will help us to do so but we’ll be using Tensorflow here.</a:t>
+              <a:t>As there will be a lot of work on Week 5, so further work of Week 5 will be done on Week 6.</a:t>
             </a:r>
             <a:endParaRPr lang="en-IN" dirty="0"/>
           </a:p>
@@ -4112,7 +4104,7 @@
     </p:spTree>
     <p:extLst>
       <p:ext uri="{BB962C8B-B14F-4D97-AF65-F5344CB8AC3E}">
-        <p14:creationId xmlns:p14="http://schemas.microsoft.com/office/powerpoint/2010/main" val="2968089628"/>
+        <p14:creationId xmlns:p14="http://schemas.microsoft.com/office/powerpoint/2010/main" val="2465208839"/>
       </p:ext>
     </p:extLst>
   </p:cSld>
@@ -4164,7 +4156,7 @@
             <a:pPr algn="ctr"/>
             <a:r>
               <a:rPr lang="en-US" dirty="0" smtClean="0"/>
-              <a:t>Week 8 (15 April)</a:t>
+              <a:t>Week 7 (8 April)</a:t>
             </a:r>
             <a:endParaRPr lang="en-IN" dirty="0"/>
           </a:p>
@@ -4186,39 +4178,22 @@
           <a:lstStyle/>
           <a:p>
             <a:r>
-              <a:rPr lang="en-US" sz="2500" b="1" dirty="0"/>
-              <a:t>Continuing Week </a:t>
-            </a:r>
-            <a:r>
               <a:rPr lang="en-US" sz="2500" b="1" dirty="0" smtClean="0"/>
-              <a:t>7</a:t>
-            </a:r>
-            <a:endParaRPr lang="en-US" sz="2500" b="1" dirty="0"/>
-          </a:p>
-          <a:p>
-            <a:r>
-              <a:rPr lang="en-US" dirty="0"/>
-              <a:t>As there will be a lot of work on Week </a:t>
-            </a:r>
+              <a:t>Training and Testing the Dataset</a:t>
+            </a:r>
+          </a:p>
+          <a:p>
             <a:r>
               <a:rPr lang="en-US" dirty="0" smtClean="0"/>
-              <a:t>7, </a:t>
-            </a:r>
-            <a:r>
-              <a:rPr lang="en-US" dirty="0"/>
-              <a:t>so further work of Week </a:t>
+              <a:t>This week will be focused on training and testing of the dataset using </a:t>
+            </a:r>
+            <a:r>
+              <a:rPr lang="en-US" smtClean="0"/>
+              <a:t>ML Algorithm. </a:t>
             </a:r>
             <a:r>
               <a:rPr lang="en-US" dirty="0" smtClean="0"/>
-              <a:t>7 </a:t>
-            </a:r>
-            <a:r>
-              <a:rPr lang="en-US" dirty="0"/>
-              <a:t>will be done on Week </a:t>
-            </a:r>
-            <a:r>
-              <a:rPr lang="en-US" dirty="0" smtClean="0"/>
-              <a:t>8.</a:t>
+              <a:t>There are lot of libraries which will help us to do so but we’ll be using Tensorflow here.</a:t>
             </a:r>
             <a:endParaRPr lang="en-IN" dirty="0"/>
           </a:p>
@@ -4227,7 +4202,7 @@
     </p:spTree>
     <p:extLst>
       <p:ext uri="{BB962C8B-B14F-4D97-AF65-F5344CB8AC3E}">
-        <p14:creationId xmlns:p14="http://schemas.microsoft.com/office/powerpoint/2010/main" val="2052703738"/>
+        <p14:creationId xmlns:p14="http://schemas.microsoft.com/office/powerpoint/2010/main" val="2968089628"/>
       </p:ext>
     </p:extLst>
   </p:cSld>
@@ -4279,7 +4254,7 @@
             <a:pPr algn="ctr"/>
             <a:r>
               <a:rPr lang="en-US" dirty="0" smtClean="0"/>
-              <a:t>Week 9 (22 April)</a:t>
+              <a:t>Week 8 (15 April)</a:t>
             </a:r>
             <a:endParaRPr lang="en-IN" dirty="0"/>
           </a:p>
@@ -4297,20 +4272,43 @@
         </p:nvSpPr>
         <p:spPr/>
         <p:txBody>
-          <a:bodyPr>
-            <a:normAutofit/>
-          </a:bodyPr>
-          <a:lstStyle/>
-          <a:p>
+          <a:bodyPr/>
+          <a:lstStyle/>
+          <a:p>
+            <a:r>
+              <a:rPr lang="en-US" sz="2500" b="1" dirty="0"/>
+              <a:t>Continuing Week </a:t>
+            </a:r>
             <a:r>
               <a:rPr lang="en-US" sz="2500" b="1" dirty="0" smtClean="0"/>
-              <a:t>Finalizing work</a:t>
-            </a:r>
-          </a:p>
-          <a:p>
+              <a:t>7</a:t>
+            </a:r>
+            <a:endParaRPr lang="en-US" sz="2500" b="1" dirty="0"/>
+          </a:p>
+          <a:p>
+            <a:r>
+              <a:rPr lang="en-US" dirty="0"/>
+              <a:t>As there will be a lot of work on Week </a:t>
+            </a:r>
             <a:r>
               <a:rPr lang="en-US" dirty="0" smtClean="0"/>
-              <a:t>Finalizing our work and getting the suggestion from the faculty for any further changes that can be done to improve project.</a:t>
+              <a:t>7, </a:t>
+            </a:r>
+            <a:r>
+              <a:rPr lang="en-US" dirty="0"/>
+              <a:t>so further work of Week </a:t>
+            </a:r>
+            <a:r>
+              <a:rPr lang="en-US" dirty="0" smtClean="0"/>
+              <a:t>7 </a:t>
+            </a:r>
+            <a:r>
+              <a:rPr lang="en-US" dirty="0"/>
+              <a:t>will be done on Week </a:t>
+            </a:r>
+            <a:r>
+              <a:rPr lang="en-US" dirty="0" smtClean="0"/>
+              <a:t>8.</a:t>
             </a:r>
             <a:endParaRPr lang="en-IN" dirty="0"/>
           </a:p>
@@ -4319,7 +4317,7 @@
     </p:spTree>
     <p:extLst>
       <p:ext uri="{BB962C8B-B14F-4D97-AF65-F5344CB8AC3E}">
-        <p14:creationId xmlns:p14="http://schemas.microsoft.com/office/powerpoint/2010/main" val="3202455014"/>
+        <p14:creationId xmlns:p14="http://schemas.microsoft.com/office/powerpoint/2010/main" val="2052703738"/>
       </p:ext>
     </p:extLst>
   </p:cSld>
@@ -4371,7 +4369,7 @@
             <a:pPr algn="ctr"/>
             <a:r>
               <a:rPr lang="en-US" dirty="0" smtClean="0"/>
-              <a:t>Week 10 (29 April)</a:t>
+              <a:t>Week 9 (22 April)</a:t>
             </a:r>
             <a:endParaRPr lang="en-IN" dirty="0"/>
           </a:p>
@@ -4389,18 +4387,20 @@
         </p:nvSpPr>
         <p:spPr/>
         <p:txBody>
-          <a:bodyPr/>
+          <a:bodyPr>
+            <a:normAutofit/>
+          </a:bodyPr>
           <a:lstStyle/>
           <a:p>
             <a:r>
               <a:rPr lang="en-US" sz="2500" b="1" dirty="0" smtClean="0"/>
-              <a:t>Making final changes</a:t>
+              <a:t>Finalizing work</a:t>
             </a:r>
           </a:p>
           <a:p>
             <a:r>
               <a:rPr lang="en-US" dirty="0" smtClean="0"/>
-              <a:t>If there will be any suggestion from the professor side regarding changes, that we’ll try to implement in the project. </a:t>
+              <a:t>Finalizing our work and getting the suggestion from the faculty for any further changes that can be done to improve project.</a:t>
             </a:r>
             <a:endParaRPr lang="en-IN" dirty="0"/>
           </a:p>
@@ -4409,7 +4409,7 @@
     </p:spTree>
     <p:extLst>
       <p:ext uri="{BB962C8B-B14F-4D97-AF65-F5344CB8AC3E}">
-        <p14:creationId xmlns:p14="http://schemas.microsoft.com/office/powerpoint/2010/main" val="856046370"/>
+        <p14:creationId xmlns:p14="http://schemas.microsoft.com/office/powerpoint/2010/main" val="3202455014"/>
       </p:ext>
     </p:extLst>
   </p:cSld>
@@ -4461,7 +4461,7 @@
             <a:pPr algn="ctr"/>
             <a:r>
               <a:rPr lang="en-US" dirty="0" smtClean="0"/>
-              <a:t>Week 11 (6 May)</a:t>
+              <a:t>Week 10 (29 April)</a:t>
             </a:r>
             <a:endParaRPr lang="en-IN" dirty="0"/>
           </a:p>
@@ -4484,13 +4484,13 @@
           <a:p>
             <a:r>
               <a:rPr lang="en-US" sz="2500" b="1" dirty="0" smtClean="0"/>
-              <a:t>Research Paper</a:t>
+              <a:t>Making final changes</a:t>
             </a:r>
           </a:p>
           <a:p>
             <a:r>
               <a:rPr lang="en-US" dirty="0" smtClean="0"/>
-              <a:t>If the changes done by us are implemented successfully and such thing wasn’t done on this planet earlier, then we’ll send our project to Research paper.</a:t>
+              <a:t>If there will be any suggestion from the professor side regarding changes, that we’ll try to implement in the project. </a:t>
             </a:r>
             <a:endParaRPr lang="en-IN" dirty="0"/>
           </a:p>
@@ -4499,7 +4499,7 @@
     </p:spTree>
     <p:extLst>
       <p:ext uri="{BB962C8B-B14F-4D97-AF65-F5344CB8AC3E}">
-        <p14:creationId xmlns:p14="http://schemas.microsoft.com/office/powerpoint/2010/main" val="3947688136"/>
+        <p14:creationId xmlns:p14="http://schemas.microsoft.com/office/powerpoint/2010/main" val="856046370"/>
       </p:ext>
     </p:extLst>
   </p:cSld>
@@ -4548,53 +4548,61 @@
           <a:bodyPr/>
           <a:lstStyle/>
           <a:p>
+            <a:pPr algn="ctr"/>
             <a:r>
               <a:rPr lang="en-US" dirty="0" smtClean="0"/>
-              <a:t>Timeline Overview</a:t>
+              <a:t>Week 11 (6 May)</a:t>
             </a:r>
             <a:endParaRPr lang="en-IN" dirty="0"/>
           </a:p>
         </p:txBody>
       </p:sp>
-      <p:pic>
-        <p:nvPicPr>
-          <p:cNvPr id="4" name="Content Placeholder 3"/>
-          <p:cNvPicPr>
-            <a:picLocks noGrp="1" noChangeAspect="1"/>
-          </p:cNvPicPr>
+      <p:sp>
+        <p:nvSpPr>
+          <p:cNvPr id="3" name="Content Placeholder 2"/>
+          <p:cNvSpPr>
+            <a:spLocks noGrp="1"/>
+          </p:cNvSpPr>
           <p:nvPr>
             <p:ph idx="1"/>
           </p:nvPr>
-        </p:nvPicPr>
-        <p:blipFill>
-          <a:blip r:embed="rId2">
-            <a:extLst>
-              <a:ext uri="{28A0092B-C50C-407E-A947-70E740481C1C}">
-                <a14:useLocalDpi xmlns:a14="http://schemas.microsoft.com/office/drawing/2010/main" val="0"/>
-              </a:ext>
-            </a:extLst>
-          </a:blip>
-          <a:stretch>
-            <a:fillRect/>
-          </a:stretch>
-        </p:blipFill>
-        <p:spPr>
-          <a:xfrm>
-            <a:off x="1190660" y="1942736"/>
-            <a:ext cx="9965020" cy="4402521"/>
-          </a:xfrm>
-        </p:spPr>
-      </p:pic>
+        </p:nvSpPr>
+        <p:spPr/>
+        <p:txBody>
+          <a:bodyPr/>
+          <a:lstStyle/>
+          <a:p>
+            <a:r>
+              <a:rPr lang="en-US" sz="2500" b="1" dirty="0" smtClean="0"/>
+              <a:t>Research Paper</a:t>
+            </a:r>
+          </a:p>
+          <a:p>
+            <a:r>
+              <a:rPr lang="en-US" dirty="0" smtClean="0"/>
+              <a:t>If the changes done by us are implemented successfully and such thing wasn’t done on this planet earlier, then we’ll send our project to Research paper.</a:t>
+            </a:r>
+            <a:endParaRPr lang="en-IN" dirty="0"/>
+          </a:p>
+        </p:txBody>
+      </p:sp>
     </p:spTree>
     <p:extLst>
       <p:ext uri="{BB962C8B-B14F-4D97-AF65-F5344CB8AC3E}">
-        <p14:creationId xmlns:p14="http://schemas.microsoft.com/office/powerpoint/2010/main" val="2938272523"/>
+        <p14:creationId xmlns:p14="http://schemas.microsoft.com/office/powerpoint/2010/main" val="3947688136"/>
       </p:ext>
     </p:extLst>
   </p:cSld>
   <p:clrMapOvr>
     <a:masterClrMapping/>
   </p:clrMapOvr>
+  <p:timing>
+    <p:tnLst>
+      <p:par>
+        <p:cTn id="1" dur="indefinite" restart="never" nodeType="tmRoot"/>
+      </p:par>
+    </p:tnLst>
+  </p:timing>
 </p:sld>
 </file>
 
@@ -4984,37 +4992,8 @@
                   <a:srgbClr val="FFFFFF"/>
                 </a:solidFill>
               </a:rPr>
-              <a:t>Submitted by : Akash Papnai, </a:t>
-            </a:r>
-            <a:r>
-              <a:rPr lang="en-US" dirty="0" err="1" smtClean="0">
-                <a:solidFill>
-                  <a:srgbClr val="FFFFFF"/>
-                </a:solidFill>
-              </a:rPr>
-              <a:t>Vipul</a:t>
-            </a:r>
-            <a:r>
-              <a:rPr lang="en-US" dirty="0" smtClean="0">
-                <a:solidFill>
-                  <a:srgbClr val="FFFFFF"/>
-                </a:solidFill>
-              </a:rPr>
-              <a:t> </a:t>
-            </a:r>
-            <a:r>
-              <a:rPr lang="en-US" dirty="0" err="1" smtClean="0">
-                <a:solidFill>
-                  <a:srgbClr val="FFFFFF"/>
-                </a:solidFill>
-              </a:rPr>
-              <a:t>chandra</a:t>
-            </a:r>
-            <a:endParaRPr lang="en-US" dirty="0" smtClean="0">
-              <a:solidFill>
-                <a:srgbClr val="FFFFFF"/>
-              </a:solidFill>
-            </a:endParaRPr>
+              <a:t>Submitted by : Akash Papnai, Vipul chandra</a:t>
+            </a:r>
           </a:p>
           <a:p>
             <a:pPr marL="342900" indent="-342900">
@@ -5089,61 +5068,53 @@
           <a:bodyPr/>
           <a:lstStyle/>
           <a:p>
-            <a:pPr algn="ctr"/>
             <a:r>
               <a:rPr lang="en-US" dirty="0" smtClean="0"/>
-              <a:t>Week 1 (25 February)</a:t>
+              <a:t>Timeline Overview</a:t>
             </a:r>
             <a:endParaRPr lang="en-IN" dirty="0"/>
           </a:p>
         </p:txBody>
       </p:sp>
-      <p:sp>
-        <p:nvSpPr>
-          <p:cNvPr id="3" name="Content Placeholder 2"/>
-          <p:cNvSpPr>
-            <a:spLocks noGrp="1"/>
-          </p:cNvSpPr>
+      <p:pic>
+        <p:nvPicPr>
+          <p:cNvPr id="4" name="Content Placeholder 3"/>
+          <p:cNvPicPr>
+            <a:picLocks noGrp="1" noChangeAspect="1"/>
+          </p:cNvPicPr>
           <p:nvPr>
             <p:ph idx="1"/>
           </p:nvPr>
-        </p:nvSpPr>
-        <p:spPr/>
-        <p:txBody>
-          <a:bodyPr/>
-          <a:lstStyle/>
-          <a:p>
-            <a:r>
-              <a:rPr lang="en-US" sz="2500" b="1" dirty="0" smtClean="0"/>
-              <a:t>Data Gathering</a:t>
-            </a:r>
-          </a:p>
-          <a:p>
-            <a:r>
-              <a:rPr lang="en-US" dirty="0" smtClean="0"/>
-              <a:t>This week all the focus will be on collecting all the data required for this project.</a:t>
-            </a:r>
-            <a:endParaRPr lang="en-US" dirty="0"/>
-          </a:p>
-        </p:txBody>
-      </p:sp>
+        </p:nvPicPr>
+        <p:blipFill>
+          <a:blip r:embed="rId2">
+            <a:extLst>
+              <a:ext uri="{28A0092B-C50C-407E-A947-70E740481C1C}">
+                <a14:useLocalDpi xmlns:a14="http://schemas.microsoft.com/office/drawing/2010/main" val="0"/>
+              </a:ext>
+            </a:extLst>
+          </a:blip>
+          <a:stretch>
+            <a:fillRect/>
+          </a:stretch>
+        </p:blipFill>
+        <p:spPr>
+          <a:xfrm>
+            <a:off x="1190660" y="1942736"/>
+            <a:ext cx="9965020" cy="4402521"/>
+          </a:xfrm>
+        </p:spPr>
+      </p:pic>
     </p:spTree>
     <p:extLst>
       <p:ext uri="{BB962C8B-B14F-4D97-AF65-F5344CB8AC3E}">
-        <p14:creationId xmlns:p14="http://schemas.microsoft.com/office/powerpoint/2010/main" val="1164428030"/>
+        <p14:creationId xmlns:p14="http://schemas.microsoft.com/office/powerpoint/2010/main" val="2938272523"/>
       </p:ext>
     </p:extLst>
   </p:cSld>
   <p:clrMapOvr>
     <a:masterClrMapping/>
   </p:clrMapOvr>
-  <p:timing>
-    <p:tnLst>
-      <p:par>
-        <p:cTn id="1" dur="indefinite" restart="never" nodeType="tmRoot"/>
-      </p:par>
-    </p:tnLst>
-  </p:timing>
 </p:sld>
 </file>
 
@@ -5182,7 +5153,7 @@
             <a:pPr algn="ctr"/>
             <a:r>
               <a:rPr lang="en-US" dirty="0" smtClean="0"/>
-              <a:t>Week 2 (4 March)</a:t>
+              <a:t>Week 1 (25 February)</a:t>
             </a:r>
             <a:endParaRPr lang="en-IN" dirty="0"/>
           </a:p>
@@ -5205,22 +5176,22 @@
           <a:p>
             <a:r>
               <a:rPr lang="en-US" sz="2500" b="1" dirty="0" smtClean="0"/>
-              <a:t>Cleaning of Data</a:t>
+              <a:t>Data Gathering</a:t>
             </a:r>
           </a:p>
           <a:p>
             <a:r>
               <a:rPr lang="en-US" dirty="0" smtClean="0"/>
-              <a:t>This will we will be doing all the data cleaning required for the project.</a:t>
-            </a:r>
-            <a:endParaRPr lang="en-IN" dirty="0"/>
+              <a:t>This week all the focus will be on collecting all the data required for this project.</a:t>
+            </a:r>
+            <a:endParaRPr lang="en-US" dirty="0"/>
           </a:p>
         </p:txBody>
       </p:sp>
     </p:spTree>
     <p:extLst>
       <p:ext uri="{BB962C8B-B14F-4D97-AF65-F5344CB8AC3E}">
-        <p14:creationId xmlns:p14="http://schemas.microsoft.com/office/powerpoint/2010/main" val="47242502"/>
+        <p14:creationId xmlns:p14="http://schemas.microsoft.com/office/powerpoint/2010/main" val="1164428030"/>
       </p:ext>
     </p:extLst>
   </p:cSld>
@@ -5272,7 +5243,7 @@
             <a:pPr algn="ctr"/>
             <a:r>
               <a:rPr lang="en-US" dirty="0" smtClean="0"/>
-              <a:t>Week 3 (11 March)</a:t>
+              <a:t>Week 2 (4 March)</a:t>
             </a:r>
             <a:endParaRPr lang="en-IN" dirty="0"/>
           </a:p>
@@ -5295,13 +5266,13 @@
           <a:p>
             <a:r>
               <a:rPr lang="en-US" sz="2500" b="1" dirty="0" smtClean="0"/>
-              <a:t>Documentation</a:t>
+              <a:t>Cleaning of Data</a:t>
             </a:r>
           </a:p>
           <a:p>
             <a:r>
               <a:rPr lang="en-US" dirty="0" smtClean="0"/>
-              <a:t>After studying all the data and then cleaning it, this week will all be focused on creating the documentation of the project which will be basically about the project, how we came across it, etc.</a:t>
+              <a:t>This will we will be doing all the data cleaning required for the project.</a:t>
             </a:r>
             <a:endParaRPr lang="en-IN" dirty="0"/>
           </a:p>
@@ -5310,7 +5281,7 @@
     </p:spTree>
     <p:extLst>
       <p:ext uri="{BB962C8B-B14F-4D97-AF65-F5344CB8AC3E}">
-        <p14:creationId xmlns:p14="http://schemas.microsoft.com/office/powerpoint/2010/main" val="2847018855"/>
+        <p14:creationId xmlns:p14="http://schemas.microsoft.com/office/powerpoint/2010/main" val="47242502"/>
       </p:ext>
     </p:extLst>
   </p:cSld>
@@ -5362,7 +5333,7 @@
             <a:pPr algn="ctr"/>
             <a:r>
               <a:rPr lang="en-US" dirty="0" smtClean="0"/>
-              <a:t>Week 4 (18 March)</a:t>
+              <a:t>Week 3 (11 March)</a:t>
             </a:r>
             <a:endParaRPr lang="en-IN" dirty="0"/>
           </a:p>
@@ -5380,20 +5351,18 @@
         </p:nvSpPr>
         <p:spPr/>
         <p:txBody>
-          <a:bodyPr>
-            <a:normAutofit/>
-          </a:bodyPr>
+          <a:bodyPr/>
           <a:lstStyle/>
           <a:p>
             <a:r>
               <a:rPr lang="en-US" sz="2500" b="1" dirty="0" smtClean="0"/>
-              <a:t>Implementation initialization</a:t>
+              <a:t>Documentation</a:t>
             </a:r>
           </a:p>
           <a:p>
             <a:r>
               <a:rPr lang="en-US" dirty="0" smtClean="0"/>
-              <a:t>This will be week of start of implementation of the project. This will be one of the busiest week of all the 11 weeks.</a:t>
+              <a:t>After studying all the data and then cleaning it, this week will all be focused on creating the documentation of the project which will be basically about the project, how we came across it, etc.</a:t>
             </a:r>
             <a:endParaRPr lang="en-IN" dirty="0"/>
           </a:p>
@@ -5402,7 +5371,7 @@
     </p:spTree>
     <p:extLst>
       <p:ext uri="{BB962C8B-B14F-4D97-AF65-F5344CB8AC3E}">
-        <p14:creationId xmlns:p14="http://schemas.microsoft.com/office/powerpoint/2010/main" val="3716050579"/>
+        <p14:creationId xmlns:p14="http://schemas.microsoft.com/office/powerpoint/2010/main" val="2847018855"/>
       </p:ext>
     </p:extLst>
   </p:cSld>
@@ -5454,7 +5423,7 @@
             <a:pPr algn="ctr"/>
             <a:r>
               <a:rPr lang="en-US" dirty="0" smtClean="0"/>
-              <a:t>Week 5 (25 March)</a:t>
+              <a:t>Week 4 (18 March)</a:t>
             </a:r>
             <a:endParaRPr lang="en-IN" dirty="0"/>
           </a:p>
@@ -5479,13 +5448,13 @@
           <a:p>
             <a:r>
               <a:rPr lang="en-US" sz="2500" b="1" dirty="0" smtClean="0"/>
-              <a:t>Data Analysis</a:t>
+              <a:t>Implementation initialization</a:t>
             </a:r>
           </a:p>
           <a:p>
             <a:r>
               <a:rPr lang="en-US" dirty="0" smtClean="0"/>
-              <a:t>This week, we will focus on analyzing the data. This week we will focus on how data can be represented using graph.</a:t>
+              <a:t>This will be week of start of implementation of the project. This will be one of the busiest week of all the 11 weeks.</a:t>
             </a:r>
             <a:endParaRPr lang="en-IN" dirty="0"/>
           </a:p>
@@ -5494,7 +5463,7 @@
     </p:spTree>
     <p:extLst>
       <p:ext uri="{BB962C8B-B14F-4D97-AF65-F5344CB8AC3E}">
-        <p14:creationId xmlns:p14="http://schemas.microsoft.com/office/powerpoint/2010/main" val="3277445483"/>
+        <p14:creationId xmlns:p14="http://schemas.microsoft.com/office/powerpoint/2010/main" val="3716050579"/>
       </p:ext>
     </p:extLst>
   </p:cSld>
@@ -5546,7 +5515,7 @@
             <a:pPr algn="ctr"/>
             <a:r>
               <a:rPr lang="en-US" dirty="0" smtClean="0"/>
-              <a:t>Week 6 (1 April)</a:t>
+              <a:t>Week 5 (25 March)</a:t>
             </a:r>
             <a:endParaRPr lang="en-IN" dirty="0"/>
           </a:p>
@@ -5564,18 +5533,20 @@
         </p:nvSpPr>
         <p:spPr/>
         <p:txBody>
-          <a:bodyPr/>
+          <a:bodyPr>
+            <a:normAutofit/>
+          </a:bodyPr>
           <a:lstStyle/>
           <a:p>
             <a:r>
               <a:rPr lang="en-US" sz="2500" b="1" dirty="0" smtClean="0"/>
-              <a:t>Continuing Week 5</a:t>
+              <a:t>Data Analysis</a:t>
             </a:r>
           </a:p>
           <a:p>
             <a:r>
               <a:rPr lang="en-US" dirty="0" smtClean="0"/>
-              <a:t>As there will be a lot of work on Week 5, so further work of Week 5 will be done on Week 6.</a:t>
+              <a:t>This week, we will focus on analyzing the data. This week we will focus on how data can be represented using graph.</a:t>
             </a:r>
             <a:endParaRPr lang="en-IN" dirty="0"/>
           </a:p>
@@ -5584,7 +5555,7 @@
     </p:spTree>
     <p:extLst>
       <p:ext uri="{BB962C8B-B14F-4D97-AF65-F5344CB8AC3E}">
-        <p14:creationId xmlns:p14="http://schemas.microsoft.com/office/powerpoint/2010/main" val="2465208839"/>
+        <p14:creationId xmlns:p14="http://schemas.microsoft.com/office/powerpoint/2010/main" val="3277445483"/>
       </p:ext>
     </p:extLst>
   </p:cSld>
